--- a/Projects PPTs and Preparation Documents/Review Meeting 2.pptx
+++ b/Projects PPTs and Preparation Documents/Review Meeting 2.pptx
@@ -282,6 +282,7 @@
 <file path=ppt/revisionInfo.xml><?xml version="1.0" encoding="utf-8"?>
 <p1510:revInfo xmlns:a="http://schemas.openxmlformats.org/drawingml/2006/main" xmlns:r="http://schemas.openxmlformats.org/officeDocument/2006/relationships" xmlns:p1510="http://schemas.microsoft.com/office/powerpoint/2015/10/main">
   <p1510:revLst>
+    <p1510:client id="{45BB5ADD-0A91-BA4E-7752-8450FB654294}" v="26" dt="2024-05-22T19:28:51.443"/>
     <p1510:client id="{B7D00CC5-55A2-C64E-79F5-E5B3A55E690E}" v="589" dt="2024-05-22T19:09:25.038"/>
   </p1510:revLst>
 </p1510:revInfo>
@@ -879,7 +880,7 @@
         </p:nvSpPr>
         <p:spPr>
           <a:xfrm>
-            <a:off x="381300" y="685800"/>
+            <a:off x="381000" y="685800"/>
             <a:ext cx="6096000" cy="3429000"/>
           </a:xfrm>
           <a:custGeom>
@@ -15646,7 +15647,7 @@
         </p:nvSpPr>
         <p:spPr>
           <a:xfrm>
-            <a:off x="311700" y="445025"/>
+            <a:off x="118269" y="5410"/>
             <a:ext cx="8520600" cy="572700"/>
           </a:xfrm>
           <a:prstGeom prst="rect">
@@ -15677,80 +15678,10 @@
               <a:buNone/>
             </a:pPr>
             <a:r>
-              <a:rPr lang="en"/>
-              <a:t>PROPOSED SYSTEM ARCHITECTURE AND FLOW DIAGRAM</a:t>
+              <a:rPr lang="en" dirty="0"/>
+              <a:t>FLOW DIAGRAM</a:t>
             </a:r>
-            <a:endParaRPr/>
-          </a:p>
-        </p:txBody>
-      </p:sp>
-      <p:sp>
-        <p:nvSpPr>
-          <p:cNvPr id="156" name="Google Shape;156;p33"/>
-          <p:cNvSpPr txBox="1">
-            <a:spLocks noGrp="1"/>
-          </p:cNvSpPr>
-          <p:nvPr>
-            <p:ph type="body" idx="1"/>
-          </p:nvPr>
-        </p:nvSpPr>
-        <p:spPr>
-          <a:xfrm>
-            <a:off x="311700" y="1530950"/>
-            <a:ext cx="8520600" cy="3416400"/>
-          </a:xfrm>
-          <a:prstGeom prst="rect">
-            <a:avLst/>
-          </a:prstGeom>
-          <a:noFill/>
-          <a:ln>
-            <a:noFill/>
-          </a:ln>
-        </p:spPr>
-        <p:txBody>
-          <a:bodyPr spcFirstLastPara="1" wrap="square" lIns="91425" tIns="91425" rIns="91425" bIns="91425" anchor="t" anchorCtr="0">
-            <a:normAutofit/>
-          </a:bodyPr>
-          <a:lstStyle/>
-          <a:p>
-            <a:pPr marL="0" lvl="0" indent="0" algn="l" rtl="0">
-              <a:lnSpc>
-                <a:spcPct val="115000"/>
-              </a:lnSpc>
-              <a:spcBef>
-                <a:spcPts val="0"/>
-              </a:spcBef>
-              <a:spcAft>
-                <a:spcPts val="0"/>
-              </a:spcAft>
-              <a:buClr>
-                <a:schemeClr val="dk1"/>
-              </a:buClr>
-              <a:buSzPts val="1100"/>
-              <a:buFont typeface="Arial"/>
-              <a:buNone/>
-            </a:pPr>
-            <a:r>
-              <a:rPr lang="en"/>
-              <a:t>DIAGRAM</a:t>
-            </a:r>
-            <a:endParaRPr/>
-          </a:p>
-          <a:p>
-            <a:pPr marL="0" lvl="0" indent="0" algn="l" rtl="0">
-              <a:lnSpc>
-                <a:spcPct val="115000"/>
-              </a:lnSpc>
-              <a:spcBef>
-                <a:spcPts val="1200"/>
-              </a:spcBef>
-              <a:spcAft>
-                <a:spcPts val="1200"/>
-              </a:spcAft>
-              <a:buSzPts val="1800"/>
-              <a:buNone/>
-            </a:pPr>
-            <a:endParaRPr/>
+            <a:endParaRPr dirty="0"/>
           </a:p>
         </p:txBody>
       </p:sp>
@@ -15779,6 +15710,36 @@
           <a:ln>
             <a:noFill/>
           </a:ln>
+        </p:spPr>
+      </p:pic>
+      <p:pic>
+        <p:nvPicPr>
+          <p:cNvPr id="4" name="Picture 3" descr="A diagram of a process&#10;&#10;Description automatically generated">
+            <a:extLst>
+              <a:ext uri="{FF2B5EF4-FFF2-40B4-BE49-F238E27FC236}">
+                <a16:creationId xmlns:a16="http://schemas.microsoft.com/office/drawing/2014/main" id="{BF855D24-053C-F2A4-228B-8750A3D3C04A}"/>
+              </a:ext>
+            </a:extLst>
+          </p:cNvPr>
+          <p:cNvPicPr>
+            <a:picLocks noChangeAspect="1"/>
+          </p:cNvPicPr>
+          <p:nvPr/>
+        </p:nvPicPr>
+        <p:blipFill>
+          <a:blip r:embed="rId4"/>
+          <a:stretch>
+            <a:fillRect/>
+          </a:stretch>
+        </p:blipFill>
+        <p:spPr>
+          <a:xfrm>
+            <a:off x="656975" y="509954"/>
+            <a:ext cx="7724540" cy="4431322"/>
+          </a:xfrm>
+          <a:prstGeom prst="rect">
+            <a:avLst/>
+          </a:prstGeom>
         </p:spPr>
       </p:pic>
     </p:spTree>

--- a/Projects PPTs and Preparation Documents/Review Meeting 2.pptx
+++ b/Projects PPTs and Preparation Documents/Review Meeting 2.pptx
@@ -283,6 +283,8 @@
 <p1510:revInfo xmlns:a="http://schemas.openxmlformats.org/drawingml/2006/main" xmlns:r="http://schemas.openxmlformats.org/officeDocument/2006/relationships" xmlns:p1510="http://schemas.microsoft.com/office/powerpoint/2015/10/main">
   <p1510:revLst>
     <p1510:client id="{45BB5ADD-0A91-BA4E-7752-8450FB654294}" v="26" dt="2024-05-22T19:28:51.443"/>
+    <p1510:client id="{5B9DCD3F-A6F4-1C92-0B36-11BC7E1FEB20}" v="23" dt="2024-05-23T03:25:09.237"/>
+    <p1510:client id="{875B6922-E3D4-79C0-F508-FC3892A33ACA}" v="8" dt="2024-05-23T04:01:47.829"/>
     <p1510:client id="{B7D00CC5-55A2-C64E-79F5-E5B3A55E690E}" v="589" dt="2024-05-22T19:09:25.038"/>
   </p1510:revLst>
 </p1510:revInfo>
@@ -15971,7 +15973,7 @@
             </a:pPr>
             <a:r>
               <a:rPr lang="en" dirty="0"/>
-              <a:t>Define target RTS game (StarCraft II, custom environment, etc.)</a:t>
+              <a:t>Define target RTS game (Flappy Bird, custom environment, etc.)</a:t>
             </a:r>
           </a:p>
           <a:p>
@@ -16051,7 +16053,7 @@
             </a:r>
             <a:r>
               <a:rPr lang="en" dirty="0"/>
-              <a:t>, StarCraft II API)</a:t>
+              <a:t>, Flappy Bird API)</a:t>
             </a:r>
           </a:p>
           <a:p>
@@ -18233,7 +18235,7 @@
           <p:nvPr>
             <p:extLst>
               <p:ext uri="{D42A27DB-BD31-4B8C-83A1-F6EECF244321}">
-                <p14:modId xmlns:p14="http://schemas.microsoft.com/office/powerpoint/2010/main" val="4244536564"/>
+                <p14:modId xmlns:p14="http://schemas.microsoft.com/office/powerpoint/2010/main" val="2084081677"/>
               </p:ext>
             </p:extLst>
           </p:nvPr>
@@ -18485,6 +18487,7 @@
                       <a:r>
                         <a:rPr lang="en-US" sz="1100" b="0" i="0" u="none" strike="noStrike" cap="none" noProof="0" dirty="0">
                           <a:latin typeface="Arial"/>
+                          <a:hlinkClick r:id="rId3"/>
                         </a:rPr>
                         <a:t>Deep RTS: A Game Environment for Deep Reinforcement Learning in Real-Time Strategy Games</a:t>
                       </a:r>
@@ -18638,6 +18641,7 @@
                       <a:r>
                         <a:rPr lang="en-US" sz="1100" b="0" i="0" u="none" strike="noStrike" cap="none" noProof="0" dirty="0">
                           <a:latin typeface="Arial"/>
+                          <a:hlinkClick r:id="rId4"/>
                         </a:rPr>
                         <a:t>High-level Reinforcement Learning in Strategy Games</a:t>
                       </a:r>
@@ -18817,7 +18821,7 @@
           <p:nvPr/>
         </p:nvPicPr>
         <p:blipFill rotWithShape="1">
-          <a:blip r:embed="rId3">
+          <a:blip r:embed="rId5">
             <a:alphaModFix/>
           </a:blip>
           <a:srcRect/>
@@ -18923,7 +18927,7 @@
           <p:nvPr>
             <p:extLst>
               <p:ext uri="{D42A27DB-BD31-4B8C-83A1-F6EECF244321}">
-                <p14:modId xmlns:p14="http://schemas.microsoft.com/office/powerpoint/2010/main" val="3196732414"/>
+                <p14:modId xmlns:p14="http://schemas.microsoft.com/office/powerpoint/2010/main" val="909402897"/>
               </p:ext>
             </p:extLst>
           </p:nvPr>
@@ -19173,7 +19177,9 @@
                         <a:buNone/>
                       </a:pPr>
                       <a:r>
-                        <a:rPr lang="en-US" sz="1100" b="0" i="0" u="none" strike="noStrike" cap="none" noProof="0" dirty="0"/>
+                        <a:rPr lang="en-US" sz="1100" b="0" i="0" u="none" strike="noStrike" cap="none" noProof="0" dirty="0">
+                          <a:hlinkClick r:id="rId3"/>
+                        </a:rPr>
                         <a:t>Real Time Strategy Games: A Reinforcement Learning Approach</a:t>
                       </a:r>
                       <a:endParaRPr dirty="0"/>
@@ -19347,7 +19353,9 @@
                         <a:buNone/>
                       </a:pPr>
                       <a:r>
-                        <a:rPr lang="en-US" sz="1100" b="0" i="0" u="none" strike="noStrike" cap="none" noProof="0" dirty="0"/>
+                        <a:rPr lang="en-US" sz="1100" b="0" i="0" u="none" strike="noStrike" cap="none" noProof="0" dirty="0">
+                          <a:hlinkClick r:id="rId4"/>
+                        </a:rPr>
                         <a:t>Reinforcement Learning for Real-Time Strategy games</a:t>
                       </a:r>
                       <a:endParaRPr dirty="0"/>
@@ -19554,7 +19562,7 @@
           <p:nvPr/>
         </p:nvPicPr>
         <p:blipFill rotWithShape="1">
-          <a:blip r:embed="rId3">
+          <a:blip r:embed="rId5">
             <a:alphaModFix/>
           </a:blip>
           <a:srcRect/>
